--- a/EXERCISES/exercise-.pptx
+++ b/EXERCISES/exercise-.pptx
@@ -245,7 +245,7 @@
           <a:p>
             <a:fld id="{03FEAA84-36EB-46DC-B83A-BE55F7C12745}" type="datetimeFigureOut">
               <a:rPr lang="en-US" smtClean="0"/>
-              <a:t>4/23/2020</a:t>
+              <a:t>5/9/2020</a:t>
             </a:fld>
             <a:endParaRPr lang="en-US"/>
           </a:p>
@@ -415,7 +415,7 @@
           <a:p>
             <a:fld id="{03FEAA84-36EB-46DC-B83A-BE55F7C12745}" type="datetimeFigureOut">
               <a:rPr lang="en-US" smtClean="0"/>
-              <a:t>4/23/2020</a:t>
+              <a:t>5/9/2020</a:t>
             </a:fld>
             <a:endParaRPr lang="en-US"/>
           </a:p>
@@ -595,7 +595,7 @@
           <a:p>
             <a:fld id="{03FEAA84-36EB-46DC-B83A-BE55F7C12745}" type="datetimeFigureOut">
               <a:rPr lang="en-US" smtClean="0"/>
-              <a:t>4/23/2020</a:t>
+              <a:t>5/9/2020</a:t>
             </a:fld>
             <a:endParaRPr lang="en-US"/>
           </a:p>
@@ -765,7 +765,7 @@
           <a:p>
             <a:fld id="{03FEAA84-36EB-46DC-B83A-BE55F7C12745}" type="datetimeFigureOut">
               <a:rPr lang="en-US" smtClean="0"/>
-              <a:t>4/23/2020</a:t>
+              <a:t>5/9/2020</a:t>
             </a:fld>
             <a:endParaRPr lang="en-US"/>
           </a:p>
@@ -1011,7 +1011,7 @@
           <a:p>
             <a:fld id="{03FEAA84-36EB-46DC-B83A-BE55F7C12745}" type="datetimeFigureOut">
               <a:rPr lang="en-US" smtClean="0"/>
-              <a:t>4/23/2020</a:t>
+              <a:t>5/9/2020</a:t>
             </a:fld>
             <a:endParaRPr lang="en-US"/>
           </a:p>
@@ -1243,7 +1243,7 @@
           <a:p>
             <a:fld id="{03FEAA84-36EB-46DC-B83A-BE55F7C12745}" type="datetimeFigureOut">
               <a:rPr lang="en-US" smtClean="0"/>
-              <a:t>4/23/2020</a:t>
+              <a:t>5/9/2020</a:t>
             </a:fld>
             <a:endParaRPr lang="en-US"/>
           </a:p>
@@ -1610,7 +1610,7 @@
           <a:p>
             <a:fld id="{03FEAA84-36EB-46DC-B83A-BE55F7C12745}" type="datetimeFigureOut">
               <a:rPr lang="en-US" smtClean="0"/>
-              <a:t>4/23/2020</a:t>
+              <a:t>5/9/2020</a:t>
             </a:fld>
             <a:endParaRPr lang="en-US"/>
           </a:p>
@@ -1728,7 +1728,7 @@
           <a:p>
             <a:fld id="{03FEAA84-36EB-46DC-B83A-BE55F7C12745}" type="datetimeFigureOut">
               <a:rPr lang="en-US" smtClean="0"/>
-              <a:t>4/23/2020</a:t>
+              <a:t>5/9/2020</a:t>
             </a:fld>
             <a:endParaRPr lang="en-US"/>
           </a:p>
@@ -1823,7 +1823,7 @@
           <a:p>
             <a:fld id="{03FEAA84-36EB-46DC-B83A-BE55F7C12745}" type="datetimeFigureOut">
               <a:rPr lang="en-US" smtClean="0"/>
-              <a:t>4/23/2020</a:t>
+              <a:t>5/9/2020</a:t>
             </a:fld>
             <a:endParaRPr lang="en-US"/>
           </a:p>
@@ -2100,7 +2100,7 @@
           <a:p>
             <a:fld id="{03FEAA84-36EB-46DC-B83A-BE55F7C12745}" type="datetimeFigureOut">
               <a:rPr lang="en-US" smtClean="0"/>
-              <a:t>4/23/2020</a:t>
+              <a:t>5/9/2020</a:t>
             </a:fld>
             <a:endParaRPr lang="en-US"/>
           </a:p>
@@ -2353,7 +2353,7 @@
           <a:p>
             <a:fld id="{03FEAA84-36EB-46DC-B83A-BE55F7C12745}" type="datetimeFigureOut">
               <a:rPr lang="en-US" smtClean="0"/>
-              <a:t>4/23/2020</a:t>
+              <a:t>5/9/2020</a:t>
             </a:fld>
             <a:endParaRPr lang="en-US"/>
           </a:p>
@@ -2566,7 +2566,7 @@
           <a:p>
             <a:fld id="{03FEAA84-36EB-46DC-B83A-BE55F7C12745}" type="datetimeFigureOut">
               <a:rPr lang="en-US" smtClean="0"/>
-              <a:t>4/23/2020</a:t>
+              <a:t>5/9/2020</a:t>
             </a:fld>
             <a:endParaRPr lang="en-US"/>
           </a:p>
@@ -2987,6 +2987,22 @@
             <a:ext cx="9144000" cy="2377849"/>
           </a:xfrm>
         </p:spPr>
+        <p:style>
+          <a:lnRef idx="2">
+            <a:schemeClr val="accent2">
+              <a:shade val="50000"/>
+            </a:schemeClr>
+          </a:lnRef>
+          <a:fillRef idx="1">
+            <a:schemeClr val="accent2"/>
+          </a:fillRef>
+          <a:effectRef idx="0">
+            <a:schemeClr val="accent2"/>
+          </a:effectRef>
+          <a:fontRef idx="minor">
+            <a:schemeClr val="lt1"/>
+          </a:fontRef>
+        </p:style>
         <p:txBody>
           <a:bodyPr/>
           <a:lstStyle/>
@@ -3016,7 +3032,26 @@
             <p:ph type="subTitle" idx="1"/>
           </p:nvPr>
         </p:nvSpPr>
-        <p:spPr/>
+        <p:spPr>
+          <a:xfrm>
+            <a:off x="1524000" y="3509962"/>
+            <a:ext cx="9144000" cy="1655762"/>
+          </a:xfrm>
+        </p:spPr>
+        <p:style>
+          <a:lnRef idx="1">
+            <a:schemeClr val="accent3"/>
+          </a:lnRef>
+          <a:fillRef idx="2">
+            <a:schemeClr val="accent3"/>
+          </a:fillRef>
+          <a:effectRef idx="1">
+            <a:schemeClr val="accent3"/>
+          </a:effectRef>
+          <a:fontRef idx="minor">
+            <a:schemeClr val="dk1"/>
+          </a:fontRef>
+        </p:style>
         <p:txBody>
           <a:bodyPr/>
           <a:lstStyle/>
@@ -3075,6 +3110,22 @@
             <a:ext cx="10515600" cy="5889580"/>
           </a:xfrm>
         </p:spPr>
+        <p:style>
+          <a:lnRef idx="2">
+            <a:schemeClr val="accent2">
+              <a:shade val="50000"/>
+            </a:schemeClr>
+          </a:lnRef>
+          <a:fillRef idx="1">
+            <a:schemeClr val="accent2"/>
+          </a:fillRef>
+          <a:effectRef idx="0">
+            <a:schemeClr val="accent2"/>
+          </a:effectRef>
+          <a:fontRef idx="minor">
+            <a:schemeClr val="lt1"/>
+          </a:fontRef>
+        </p:style>
         <p:txBody>
           <a:bodyPr>
             <a:normAutofit fontScale="92500" lnSpcReduction="20000"/>
@@ -3142,16 +3193,12 @@
               <a:t>0</a:t>
             </a:r>
             <a:r>
-              <a:rPr lang="en-US" smtClean="0"/>
+              <a:rPr lang="en-US" dirty="0" smtClean="0"/>
               <a:t>9/21/27890</a:t>
             </a:r>
             <a:r>
-              <a:rPr lang="el-GR" smtClean="0"/>
-              <a:t>).</a:t>
-            </a:r>
-            <a:r>
               <a:rPr lang="el-GR" dirty="0" smtClean="0"/>
-              <a:t>Υποθέστε ότι οι έγκυρες τιμές είναι μέχρι και το έτος 2020 και οι ημερομηνίες είναι της μορφής </a:t>
+              <a:t>).Υποθέστε ότι οι έγκυρες τιμές είναι μέχρι και το έτος 2020 και οι ημερομηνίες είναι της μορφής </a:t>
             </a:r>
             <a:r>
               <a:rPr lang="en-US" dirty="0" err="1" smtClean="0"/>
@@ -3238,6 +3285,22 @@
             <a:ext cx="10515600" cy="5811203"/>
           </a:xfrm>
         </p:spPr>
+        <p:style>
+          <a:lnRef idx="2">
+            <a:schemeClr val="accent2">
+              <a:shade val="50000"/>
+            </a:schemeClr>
+          </a:lnRef>
+          <a:fillRef idx="1">
+            <a:schemeClr val="accent2"/>
+          </a:fillRef>
+          <a:effectRef idx="0">
+            <a:schemeClr val="accent2"/>
+          </a:effectRef>
+          <a:fontRef idx="minor">
+            <a:schemeClr val="lt1"/>
+          </a:fontRef>
+        </p:style>
         <p:txBody>
           <a:bodyPr>
             <a:normAutofit fontScale="92500"/>
@@ -3289,38 +3352,22 @@
             </a:r>
             <a:r>
               <a:rPr lang="el-GR" dirty="0" smtClean="0"/>
-              <a:t>είχε η κάθε ομάδα.Να κατασκευαστεί συνάρτηση η οποία σε ένα πίνακα 5 θέσεων θα αποθηκευεί τους βαθμούς κάθε ομάδας(3 για νίκη,1 για ισοπαλία).Τέλος να δημιουργηθει συνάρτηση που να </a:t>
-            </a:r>
-            <a:r>
-              <a:rPr lang="el-GR" dirty="0" smtClean="0"/>
-              <a:t>κατασκευάζει το</a:t>
+              <a:t>είχε η κάθε ομάδα.Να κατασκευαστεί συνάρτηση η οποία σε ένα πίνακα 5 θέσεων θα αποθηκευεί τους βαθμούς κάθε ομάδας(3 για νίκη,1 για ισοπαλία).Τέλος να δημιουργηθει συνάρτηση που να κατασκευάζει το το ταμπλό της βαθμολογίας(</a:t>
+            </a:r>
+            <a:r>
+              <a:rPr lang="en-US" dirty="0" smtClean="0"/>
+              <a:t>rank</a:t>
             </a:r>
             <a:r>
               <a:rPr lang="el-GR" dirty="0" smtClean="0"/>
               <a:t> </a:t>
             </a:r>
             <a:r>
+              <a:rPr lang="en-US" dirty="0" smtClean="0"/>
+              <a:t>team points</a:t>
+            </a:r>
+            <a:r>
               <a:rPr lang="el-GR" dirty="0" smtClean="0"/>
-              <a:t>το ταμπλό της βαθμολογίας(</a:t>
-            </a:r>
-            <a:r>
-              <a:rPr lang="en-US" dirty="0" smtClean="0"/>
-              <a:t>rank</a:t>
-            </a:r>
-            <a:r>
-              <a:rPr lang="el-GR" dirty="0" smtClean="0"/>
-              <a:t> </a:t>
-            </a:r>
-            <a:r>
-              <a:rPr lang="en-US" dirty="0" smtClean="0"/>
-              <a:t>team </a:t>
-            </a:r>
-            <a:r>
-              <a:rPr lang="en-US" dirty="0" smtClean="0"/>
-              <a:t>points</a:t>
-            </a:r>
-            <a:r>
-              <a:rPr lang="el-GR" smtClean="0"/>
               <a:t>),το οποίο θα εμφανίζεται στην κύρια συνάρτηση</a:t>
             </a:r>
             <a:r>
